--- a/documentation/Digital Stämpelklocka.pptx
+++ b/documentation/Digital Stämpelklocka.pptx
@@ -108,6 +108,11 @@
       </a:defRPr>
     </a:lvl9pPr>
   </p:defaultTextStyle>
+  <p:extLst>
+    <p:ext uri="{EFAFB233-063F-42B5-8137-9DF3F51BA10A}">
+      <p15:sldGuideLst xmlns:p15="http://schemas.microsoft.com/office/powerpoint/2012/main"/>
+    </p:ext>
+  </p:extLst>
 </p:presentation>
 </file>
 
@@ -613,7 +618,7 @@
           <a:p>
             <a:fld id="{7EBA0DE0-06AD-426F-A064-8AA569FA0AE6}" type="datetimeFigureOut">
               <a:rPr lang="sv-SE" smtClean="0"/>
-              <a:t>2016-08-30</a:t>
+              <a:t>2016-08-31</a:t>
             </a:fld>
             <a:endParaRPr lang="sv-SE"/>
           </a:p>
@@ -909,7 +914,7 @@
           <a:p>
             <a:fld id="{7EBA0DE0-06AD-426F-A064-8AA569FA0AE6}" type="datetimeFigureOut">
               <a:rPr lang="sv-SE" smtClean="0"/>
-              <a:t>2016-08-30</a:t>
+              <a:t>2016-08-31</a:t>
             </a:fld>
             <a:endParaRPr lang="sv-SE"/>
           </a:p>
@@ -1157,7 +1162,7 @@
           <a:p>
             <a:fld id="{7EBA0DE0-06AD-426F-A064-8AA569FA0AE6}" type="datetimeFigureOut">
               <a:rPr lang="sv-SE" smtClean="0"/>
-              <a:t>2016-08-30</a:t>
+              <a:t>2016-08-31</a:t>
             </a:fld>
             <a:endParaRPr lang="sv-SE"/>
           </a:p>
@@ -1697,7 +1702,7 @@
           <a:p>
             <a:fld id="{7EBA0DE0-06AD-426F-A064-8AA569FA0AE6}" type="datetimeFigureOut">
               <a:rPr lang="sv-SE" smtClean="0"/>
-              <a:t>2016-08-30</a:t>
+              <a:t>2016-08-31</a:t>
             </a:fld>
             <a:endParaRPr lang="sv-SE"/>
           </a:p>
@@ -1945,7 +1950,7 @@
           <a:p>
             <a:fld id="{7EBA0DE0-06AD-426F-A064-8AA569FA0AE6}" type="datetimeFigureOut">
               <a:rPr lang="sv-SE" smtClean="0"/>
-              <a:t>2016-08-30</a:t>
+              <a:t>2016-08-31</a:t>
             </a:fld>
             <a:endParaRPr lang="sv-SE"/>
           </a:p>
@@ -2477,7 +2482,7 @@
           <a:p>
             <a:fld id="{7EBA0DE0-06AD-426F-A064-8AA569FA0AE6}" type="datetimeFigureOut">
               <a:rPr lang="sv-SE" smtClean="0"/>
-              <a:t>2016-08-30</a:t>
+              <a:t>2016-08-31</a:t>
             </a:fld>
             <a:endParaRPr lang="sv-SE"/>
           </a:p>
@@ -2774,7 +2779,7 @@
           <a:p>
             <a:fld id="{7EBA0DE0-06AD-426F-A064-8AA569FA0AE6}" type="datetimeFigureOut">
               <a:rPr lang="sv-SE" smtClean="0"/>
-              <a:t>2016-08-30</a:t>
+              <a:t>2016-08-31</a:t>
             </a:fld>
             <a:endParaRPr lang="sv-SE"/>
           </a:p>
@@ -2948,7 +2953,7 @@
           <a:p>
             <a:fld id="{7EBA0DE0-06AD-426F-A064-8AA569FA0AE6}" type="datetimeFigureOut">
               <a:rPr lang="sv-SE" smtClean="0"/>
-              <a:t>2016-08-30</a:t>
+              <a:t>2016-08-31</a:t>
             </a:fld>
             <a:endParaRPr lang="sv-SE"/>
           </a:p>
@@ -3128,7 +3133,7 @@
           <a:p>
             <a:fld id="{7EBA0DE0-06AD-426F-A064-8AA569FA0AE6}" type="datetimeFigureOut">
               <a:rPr lang="sv-SE" smtClean="0"/>
-              <a:t>2016-08-30</a:t>
+              <a:t>2016-08-31</a:t>
             </a:fld>
             <a:endParaRPr lang="sv-SE"/>
           </a:p>
@@ -3298,7 +3303,7 @@
           <a:p>
             <a:fld id="{7EBA0DE0-06AD-426F-A064-8AA569FA0AE6}" type="datetimeFigureOut">
               <a:rPr lang="sv-SE" smtClean="0"/>
-              <a:t>2016-08-30</a:t>
+              <a:t>2016-08-31</a:t>
             </a:fld>
             <a:endParaRPr lang="sv-SE"/>
           </a:p>
@@ -3549,7 +3554,7 @@
           <a:p>
             <a:fld id="{7EBA0DE0-06AD-426F-A064-8AA569FA0AE6}" type="datetimeFigureOut">
               <a:rPr lang="sv-SE" smtClean="0"/>
-              <a:t>2016-08-30</a:t>
+              <a:t>2016-08-31</a:t>
             </a:fld>
             <a:endParaRPr lang="sv-SE"/>
           </a:p>
@@ -3846,7 +3851,7 @@
           <a:p>
             <a:fld id="{7EBA0DE0-06AD-426F-A064-8AA569FA0AE6}" type="datetimeFigureOut">
               <a:rPr lang="sv-SE" smtClean="0"/>
-              <a:t>2016-08-30</a:t>
+              <a:t>2016-08-31</a:t>
             </a:fld>
             <a:endParaRPr lang="sv-SE"/>
           </a:p>
@@ -4288,7 +4293,7 @@
           <a:p>
             <a:fld id="{7EBA0DE0-06AD-426F-A064-8AA569FA0AE6}" type="datetimeFigureOut">
               <a:rPr lang="sv-SE" smtClean="0"/>
-              <a:t>2016-08-30</a:t>
+              <a:t>2016-08-31</a:t>
             </a:fld>
             <a:endParaRPr lang="sv-SE"/>
           </a:p>
@@ -4406,7 +4411,7 @@
           <a:p>
             <a:fld id="{7EBA0DE0-06AD-426F-A064-8AA569FA0AE6}" type="datetimeFigureOut">
               <a:rPr lang="sv-SE" smtClean="0"/>
-              <a:t>2016-08-30</a:t>
+              <a:t>2016-08-31</a:t>
             </a:fld>
             <a:endParaRPr lang="sv-SE"/>
           </a:p>
@@ -4501,7 +4506,7 @@
           <a:p>
             <a:fld id="{7EBA0DE0-06AD-426F-A064-8AA569FA0AE6}" type="datetimeFigureOut">
               <a:rPr lang="sv-SE" smtClean="0"/>
-              <a:t>2016-08-30</a:t>
+              <a:t>2016-08-31</a:t>
             </a:fld>
             <a:endParaRPr lang="sv-SE"/>
           </a:p>
@@ -4784,7 +4789,7 @@
           <a:p>
             <a:fld id="{7EBA0DE0-06AD-426F-A064-8AA569FA0AE6}" type="datetimeFigureOut">
               <a:rPr lang="sv-SE" smtClean="0"/>
-              <a:t>2016-08-30</a:t>
+              <a:t>2016-08-31</a:t>
             </a:fld>
             <a:endParaRPr lang="sv-SE"/>
           </a:p>
@@ -5075,7 +5080,7 @@
           <a:p>
             <a:fld id="{7EBA0DE0-06AD-426F-A064-8AA569FA0AE6}" type="datetimeFigureOut">
               <a:rPr lang="sv-SE" smtClean="0"/>
-              <a:t>2016-08-30</a:t>
+              <a:t>2016-08-31</a:t>
             </a:fld>
             <a:endParaRPr lang="sv-SE"/>
           </a:p>
@@ -5605,7 +5610,7 @@
           <a:p>
             <a:fld id="{7EBA0DE0-06AD-426F-A064-8AA569FA0AE6}" type="datetimeFigureOut">
               <a:rPr lang="sv-SE" smtClean="0"/>
-              <a:t>2016-08-30</a:t>
+              <a:t>2016-08-31</a:t>
             </a:fld>
             <a:endParaRPr lang="sv-SE"/>
           </a:p>
@@ -6457,8 +6462,8 @@
           </a:p>
           <a:p>
             <a:r>
-              <a:rPr lang="sv-SE" dirty="0" smtClean="0"/>
-              <a:t>Ev. JavaScript</a:t>
+              <a:rPr lang="sv-SE" smtClean="0"/>
+              <a:t>JavaScript</a:t>
             </a:r>
             <a:endParaRPr lang="sv-SE" dirty="0"/>
           </a:p>
